--- a/Paper/Presentatie.pptx
+++ b/Paper/Presentatie.pptx
@@ -1021,7 +1021,7 @@
   <dgm:whole/>
   <dgm:extLst>
     <a:ext uri="http://schemas.microsoft.com/office/drawing/2008/diagram">
-      <dsp:dataModelExt xmlns:dsp="http://schemas.microsoft.com/office/drawing/2008/diagram" relId="rId6" minVer="http://schemas.openxmlformats.org/drawingml/2006/diagram"/>
+      <dsp:dataModelExt xmlns:dsp="http://schemas.microsoft.com/office/drawing/2008/diagram" relId="rId7" minVer="http://schemas.openxmlformats.org/drawingml/2006/diagram"/>
     </a:ext>
   </dgm:extLst>
 </dgm:dataModel>
@@ -2492,7 +2492,7 @@
           <a:p>
             <a:fld id="{EF1077DB-935E-4A0A-947A-D283B9F9F452}" type="datetimeFigureOut">
               <a:rPr lang="en-US" smtClean="0"/>
-              <a:t>12/3/2019</a:t>
+              <a:t>12/4/2019</a:t>
             </a:fld>
             <a:endParaRPr lang="en-US" dirty="0"/>
           </a:p>
@@ -2669,7 +2669,7 @@
           <a:p>
             <a:fld id="{2D9EC30E-1A71-4188-9BE7-E2A64929A436}" type="datetimeFigureOut">
               <a:rPr lang="en-US" noProof="0" smtClean="0"/>
-              <a:t>12/3/2019</a:t>
+              <a:t>12/4/2019</a:t>
             </a:fld>
             <a:endParaRPr lang="en-US" noProof="0"/>
           </a:p>
@@ -3095,6 +3095,472 @@
     <p:extLst>
       <p:ext uri="{BB962C8B-B14F-4D97-AF65-F5344CB8AC3E}">
         <p14:creationId xmlns:p14="http://schemas.microsoft.com/office/powerpoint/2010/main" val="2457486648"/>
+      </p:ext>
+    </p:extLst>
+  </p:cSld>
+  <p:clrMapOvr>
+    <a:masterClrMapping/>
+  </p:clrMapOvr>
+</p:notes>
+</file>
+
+<file path=ppt/notesSlides/notesSlide3.xml><?xml version="1.0" encoding="utf-8"?>
+<p:notes xmlns:a="http://schemas.openxmlformats.org/drawingml/2006/main" xmlns:r="http://schemas.openxmlformats.org/officeDocument/2006/relationships" xmlns:p="http://schemas.openxmlformats.org/presentationml/2006/main">
+  <p:cSld>
+    <p:spTree>
+      <p:nvGrpSpPr>
+        <p:cNvPr id="1" name=""/>
+        <p:cNvGrpSpPr/>
+        <p:nvPr/>
+      </p:nvGrpSpPr>
+      <p:grpSpPr>
+        <a:xfrm>
+          <a:off x="0" y="0"/>
+          <a:ext cx="0" cy="0"/>
+          <a:chOff x="0" y="0"/>
+          <a:chExt cx="0" cy="0"/>
+        </a:xfrm>
+      </p:grpSpPr>
+      <p:sp>
+        <p:nvSpPr>
+          <p:cNvPr id="2" name="Slide Image Placeholder 1"/>
+          <p:cNvSpPr>
+            <a:spLocks noGrp="1" noRot="1" noChangeAspect="1"/>
+          </p:cNvSpPr>
+          <p:nvPr>
+            <p:ph type="sldImg"/>
+          </p:nvPr>
+        </p:nvSpPr>
+        <p:spPr/>
+      </p:sp>
+      <p:sp>
+        <p:nvSpPr>
+          <p:cNvPr id="3" name="Notes Placeholder 2"/>
+          <p:cNvSpPr>
+            <a:spLocks noGrp="1"/>
+          </p:cNvSpPr>
+          <p:nvPr>
+            <p:ph type="body" idx="1"/>
+          </p:nvPr>
+        </p:nvSpPr>
+        <p:spPr/>
+        <p:txBody>
+          <a:bodyPr/>
+          <a:lstStyle/>
+          <a:p>
+            <a:r>
+              <a:rPr lang="en-US" dirty="0"/>
+              <a:t>Agile:</a:t>
+            </a:r>
+            <a:r>
+              <a:rPr lang="en-US" baseline="0" dirty="0"/>
+              <a:t> </a:t>
+            </a:r>
+            <a:r>
+              <a:rPr lang="en-US" baseline="0" dirty="0" err="1"/>
+              <a:t>iteraties</a:t>
+            </a:r>
+            <a:r>
+              <a:rPr lang="en-US" baseline="0" dirty="0"/>
+              <a:t> (</a:t>
+            </a:r>
+            <a:r>
+              <a:rPr lang="en-US" baseline="0" dirty="0" err="1"/>
+              <a:t>kleine</a:t>
+            </a:r>
+            <a:r>
+              <a:rPr lang="en-US" baseline="0" dirty="0"/>
+              <a:t> </a:t>
+            </a:r>
+            <a:r>
+              <a:rPr lang="en-US" baseline="0" dirty="0" err="1"/>
+              <a:t>projecten</a:t>
+            </a:r>
+            <a:r>
+              <a:rPr lang="en-US" baseline="0" dirty="0"/>
+              <a:t>) met eigen </a:t>
+            </a:r>
+            <a:r>
+              <a:rPr lang="en-US" baseline="0" dirty="0" err="1"/>
+              <a:t>analyse+planning+testing</a:t>
+            </a:r>
+            <a:r>
+              <a:rPr lang="en-US" baseline="0" dirty="0"/>
+              <a:t>, </a:t>
+            </a:r>
+            <a:r>
+              <a:rPr lang="en-US" baseline="0" dirty="0" err="1"/>
+              <a:t>eerder</a:t>
+            </a:r>
+            <a:r>
+              <a:rPr lang="en-US" baseline="0" dirty="0"/>
+              <a:t> </a:t>
+            </a:r>
+            <a:r>
+              <a:rPr lang="en-US" baseline="0" dirty="0" err="1"/>
+              <a:t>denkwijze</a:t>
+            </a:r>
+            <a:r>
+              <a:rPr lang="en-US" baseline="0" dirty="0"/>
+              <a:t>, </a:t>
+            </a:r>
+            <a:r>
+              <a:rPr lang="en-US" baseline="0" dirty="0" err="1"/>
+              <a:t>directe</a:t>
+            </a:r>
+            <a:r>
+              <a:rPr lang="en-US" baseline="0" dirty="0"/>
+              <a:t> </a:t>
+            </a:r>
+            <a:r>
+              <a:rPr lang="en-US" baseline="0" dirty="0" err="1"/>
+              <a:t>communicatie</a:t>
+            </a:r>
+            <a:r>
+              <a:rPr lang="en-US" baseline="0" dirty="0"/>
+              <a:t>, </a:t>
+            </a:r>
+            <a:r>
+              <a:rPr lang="en-US" baseline="0" dirty="0" err="1"/>
+              <a:t>na</a:t>
+            </a:r>
+            <a:r>
+              <a:rPr lang="en-US" baseline="0" dirty="0"/>
+              <a:t> </a:t>
+            </a:r>
+            <a:r>
+              <a:rPr lang="en-US" baseline="0" dirty="0" err="1"/>
+              <a:t>iedere</a:t>
+            </a:r>
+            <a:r>
+              <a:rPr lang="en-US" baseline="0" dirty="0"/>
+              <a:t> </a:t>
+            </a:r>
+            <a:r>
+              <a:rPr lang="en-US" baseline="0" dirty="0" err="1"/>
+              <a:t>iteratie</a:t>
+            </a:r>
+            <a:r>
+              <a:rPr lang="en-US" baseline="0" dirty="0"/>
+              <a:t> </a:t>
+            </a:r>
+            <a:r>
+              <a:rPr lang="en-US" baseline="0" dirty="0" err="1"/>
+              <a:t>een</a:t>
+            </a:r>
+            <a:r>
+              <a:rPr lang="en-US" baseline="0" dirty="0"/>
+              <a:t> </a:t>
+            </a:r>
+            <a:r>
+              <a:rPr lang="en-US" baseline="0" dirty="0" err="1"/>
+              <a:t>werkend</a:t>
+            </a:r>
+            <a:r>
+              <a:rPr lang="en-US" baseline="0" dirty="0"/>
+              <a:t> product</a:t>
+            </a:r>
+          </a:p>
+          <a:p>
+            <a:r>
+              <a:rPr lang="en-US" baseline="0" dirty="0"/>
+              <a:t>Waterfall: heel project in </a:t>
+            </a:r>
+            <a:r>
+              <a:rPr lang="en-US" baseline="0" dirty="0" err="1"/>
+              <a:t>fases</a:t>
+            </a:r>
+            <a:r>
+              <a:rPr lang="en-US" baseline="0" dirty="0"/>
+              <a:t>, </a:t>
+            </a:r>
+            <a:r>
+              <a:rPr lang="en-US" baseline="0" dirty="0" err="1"/>
+              <a:t>documentatie</a:t>
+            </a:r>
+            <a:r>
+              <a:rPr lang="en-US" baseline="0" dirty="0"/>
+              <a:t>, </a:t>
+            </a:r>
+            <a:r>
+              <a:rPr lang="en-US" baseline="0" dirty="0" err="1"/>
+              <a:t>moeilijk</a:t>
+            </a:r>
+            <a:r>
+              <a:rPr lang="en-US" baseline="0" dirty="0"/>
+              <a:t> om </a:t>
+            </a:r>
+            <a:r>
+              <a:rPr lang="en-US" baseline="0" dirty="0" err="1"/>
+              <a:t>duurtijd</a:t>
+            </a:r>
+            <a:r>
+              <a:rPr lang="en-US" baseline="0" dirty="0"/>
+              <a:t> in </a:t>
+            </a:r>
+            <a:r>
+              <a:rPr lang="en-US" baseline="0" dirty="0" err="1"/>
+              <a:t>te</a:t>
+            </a:r>
+            <a:r>
+              <a:rPr lang="en-US" baseline="0" dirty="0"/>
+              <a:t> </a:t>
+            </a:r>
+            <a:r>
+              <a:rPr lang="en-US" baseline="0" dirty="0" err="1"/>
+              <a:t>schatten</a:t>
+            </a:r>
+            <a:r>
+              <a:rPr lang="en-US" baseline="0" dirty="0"/>
+              <a:t>, </a:t>
+            </a:r>
+            <a:r>
+              <a:rPr lang="en-US" baseline="0" dirty="0" err="1"/>
+              <a:t>fout</a:t>
+            </a:r>
+            <a:r>
+              <a:rPr lang="en-US" baseline="0" dirty="0"/>
+              <a:t>=</a:t>
+            </a:r>
+            <a:r>
+              <a:rPr lang="en-US" baseline="0" dirty="0" err="1"/>
+              <a:t>alles</a:t>
+            </a:r>
+            <a:r>
+              <a:rPr lang="en-US" baseline="0" dirty="0"/>
+              <a:t> </a:t>
+            </a:r>
+            <a:r>
+              <a:rPr lang="en-US" baseline="0" dirty="0" err="1"/>
+              <a:t>opnieuw</a:t>
+            </a:r>
+            <a:r>
+              <a:rPr lang="en-US" baseline="0" dirty="0"/>
+              <a:t> tot </a:t>
+            </a:r>
+            <a:r>
+              <a:rPr lang="en-US" baseline="0" dirty="0" err="1"/>
+              <a:t>bij</a:t>
+            </a:r>
+            <a:r>
+              <a:rPr lang="en-US" baseline="0" dirty="0"/>
+              <a:t> </a:t>
+            </a:r>
+            <a:r>
+              <a:rPr lang="en-US" baseline="0" dirty="0" err="1"/>
+              <a:t>fout</a:t>
+            </a:r>
+            <a:endParaRPr lang="en-BE" dirty="0"/>
+          </a:p>
+        </p:txBody>
+      </p:sp>
+      <p:sp>
+        <p:nvSpPr>
+          <p:cNvPr id="4" name="Slide Number Placeholder 3"/>
+          <p:cNvSpPr>
+            <a:spLocks noGrp="1"/>
+          </p:cNvSpPr>
+          <p:nvPr>
+            <p:ph type="sldNum" sz="quarter" idx="5"/>
+          </p:nvPr>
+        </p:nvSpPr>
+        <p:spPr/>
+        <p:txBody>
+          <a:bodyPr/>
+          <a:lstStyle/>
+          <a:p>
+            <a:fld id="{8530193B-564F-4854-8A52-728F3FB19C85}" type="slidenum">
+              <a:rPr lang="en-US" noProof="0" smtClean="0"/>
+              <a:t>4</a:t>
+            </a:fld>
+            <a:endParaRPr lang="en-US" noProof="0"/>
+          </a:p>
+        </p:txBody>
+      </p:sp>
+    </p:spTree>
+    <p:extLst>
+      <p:ext uri="{BB962C8B-B14F-4D97-AF65-F5344CB8AC3E}">
+        <p14:creationId xmlns:p14="http://schemas.microsoft.com/office/powerpoint/2010/main" val="2097197715"/>
+      </p:ext>
+    </p:extLst>
+  </p:cSld>
+  <p:clrMapOvr>
+    <a:masterClrMapping/>
+  </p:clrMapOvr>
+</p:notes>
+</file>
+
+<file path=ppt/notesSlides/notesSlide4.xml><?xml version="1.0" encoding="utf-8"?>
+<p:notes xmlns:a="http://schemas.openxmlformats.org/drawingml/2006/main" xmlns:r="http://schemas.openxmlformats.org/officeDocument/2006/relationships" xmlns:p="http://schemas.openxmlformats.org/presentationml/2006/main">
+  <p:cSld>
+    <p:spTree>
+      <p:nvGrpSpPr>
+        <p:cNvPr id="1" name=""/>
+        <p:cNvGrpSpPr/>
+        <p:nvPr/>
+      </p:nvGrpSpPr>
+      <p:grpSpPr>
+        <a:xfrm>
+          <a:off x="0" y="0"/>
+          <a:ext cx="0" cy="0"/>
+          <a:chOff x="0" y="0"/>
+          <a:chExt cx="0" cy="0"/>
+        </a:xfrm>
+      </p:grpSpPr>
+      <p:sp>
+        <p:nvSpPr>
+          <p:cNvPr id="2" name="Slide Image Placeholder 1"/>
+          <p:cNvSpPr>
+            <a:spLocks noGrp="1" noRot="1" noChangeAspect="1"/>
+          </p:cNvSpPr>
+          <p:nvPr>
+            <p:ph type="sldImg"/>
+          </p:nvPr>
+        </p:nvSpPr>
+        <p:spPr/>
+      </p:sp>
+      <p:sp>
+        <p:nvSpPr>
+          <p:cNvPr id="3" name="Notes Placeholder 2"/>
+          <p:cNvSpPr>
+            <a:spLocks noGrp="1"/>
+          </p:cNvSpPr>
+          <p:nvPr>
+            <p:ph type="body" idx="1"/>
+          </p:nvPr>
+        </p:nvSpPr>
+        <p:spPr/>
+        <p:txBody>
+          <a:bodyPr/>
+          <a:lstStyle/>
+          <a:p>
+            <a:r>
+              <a:rPr lang="nl-BE" sz="1200" kern="1200" dirty="0">
+                <a:solidFill>
+                  <a:schemeClr val="tx1"/>
+                </a:solidFill>
+                <a:effectLst/>
+                <a:latin typeface="+mn-lt"/>
+                <a:ea typeface="+mn-ea"/>
+                <a:cs typeface="+mn-cs"/>
+              </a:rPr>
+              <a:t>vaste structuur van methodes waar niet van mag afgeweken worden</a:t>
+            </a:r>
+            <a:endParaRPr lang="en-BE" dirty="0"/>
+          </a:p>
+        </p:txBody>
+      </p:sp>
+      <p:sp>
+        <p:nvSpPr>
+          <p:cNvPr id="4" name="Slide Number Placeholder 3"/>
+          <p:cNvSpPr>
+            <a:spLocks noGrp="1"/>
+          </p:cNvSpPr>
+          <p:nvPr>
+            <p:ph type="sldNum" sz="quarter" idx="5"/>
+          </p:nvPr>
+        </p:nvSpPr>
+        <p:spPr/>
+        <p:txBody>
+          <a:bodyPr/>
+          <a:lstStyle/>
+          <a:p>
+            <a:fld id="{8530193B-564F-4854-8A52-728F3FB19C85}" type="slidenum">
+              <a:rPr lang="en-US" noProof="0" smtClean="0"/>
+              <a:t>10</a:t>
+            </a:fld>
+            <a:endParaRPr lang="en-US" noProof="0"/>
+          </a:p>
+        </p:txBody>
+      </p:sp>
+    </p:spTree>
+    <p:extLst>
+      <p:ext uri="{BB962C8B-B14F-4D97-AF65-F5344CB8AC3E}">
+        <p14:creationId xmlns:p14="http://schemas.microsoft.com/office/powerpoint/2010/main" val="3508148058"/>
+      </p:ext>
+    </p:extLst>
+  </p:cSld>
+  <p:clrMapOvr>
+    <a:masterClrMapping/>
+  </p:clrMapOvr>
+</p:notes>
+</file>
+
+<file path=ppt/notesSlides/notesSlide5.xml><?xml version="1.0" encoding="utf-8"?>
+<p:notes xmlns:a="http://schemas.openxmlformats.org/drawingml/2006/main" xmlns:r="http://schemas.openxmlformats.org/officeDocument/2006/relationships" xmlns:p="http://schemas.openxmlformats.org/presentationml/2006/main">
+  <p:cSld>
+    <p:spTree>
+      <p:nvGrpSpPr>
+        <p:cNvPr id="1" name=""/>
+        <p:cNvGrpSpPr/>
+        <p:nvPr/>
+      </p:nvGrpSpPr>
+      <p:grpSpPr>
+        <a:xfrm>
+          <a:off x="0" y="0"/>
+          <a:ext cx="0" cy="0"/>
+          <a:chOff x="0" y="0"/>
+          <a:chExt cx="0" cy="0"/>
+        </a:xfrm>
+      </p:grpSpPr>
+      <p:sp>
+        <p:nvSpPr>
+          <p:cNvPr id="2" name="Slide Image Placeholder 1"/>
+          <p:cNvSpPr>
+            <a:spLocks noGrp="1" noRot="1" noChangeAspect="1"/>
+          </p:cNvSpPr>
+          <p:nvPr>
+            <p:ph type="sldImg"/>
+          </p:nvPr>
+        </p:nvSpPr>
+        <p:spPr/>
+      </p:sp>
+      <p:sp>
+        <p:nvSpPr>
+          <p:cNvPr id="3" name="Notes Placeholder 2"/>
+          <p:cNvSpPr>
+            <a:spLocks noGrp="1"/>
+          </p:cNvSpPr>
+          <p:nvPr>
+            <p:ph type="body" idx="1"/>
+          </p:nvPr>
+        </p:nvSpPr>
+        <p:spPr/>
+        <p:txBody>
+          <a:bodyPr/>
+          <a:lstStyle/>
+          <a:p>
+            <a:endParaRPr lang="en-BE" dirty="0"/>
+          </a:p>
+        </p:txBody>
+      </p:sp>
+      <p:sp>
+        <p:nvSpPr>
+          <p:cNvPr id="4" name="Slide Number Placeholder 3"/>
+          <p:cNvSpPr>
+            <a:spLocks noGrp="1"/>
+          </p:cNvSpPr>
+          <p:nvPr>
+            <p:ph type="sldNum" sz="quarter" idx="5"/>
+          </p:nvPr>
+        </p:nvSpPr>
+        <p:spPr/>
+        <p:txBody>
+          <a:bodyPr/>
+          <a:lstStyle/>
+          <a:p>
+            <a:fld id="{8530193B-564F-4854-8A52-728F3FB19C85}" type="slidenum">
+              <a:rPr lang="en-US" noProof="0" smtClean="0"/>
+              <a:t>11</a:t>
+            </a:fld>
+            <a:endParaRPr lang="en-US" noProof="0"/>
+          </a:p>
+        </p:txBody>
+      </p:sp>
+    </p:spTree>
+    <p:extLst>
+      <p:ext uri="{BB962C8B-B14F-4D97-AF65-F5344CB8AC3E}">
+        <p14:creationId xmlns:p14="http://schemas.microsoft.com/office/powerpoint/2010/main" val="2241716230"/>
       </p:ext>
     </p:extLst>
   </p:cSld>
@@ -10683,6 +11149,24 @@
           </a:p>
           <a:p>
             <a:r>
+              <a:rPr lang="en-US" sz="2000" dirty="0" err="1"/>
+              <a:t>Hybride</a:t>
+            </a:r>
+            <a:r>
+              <a:rPr lang="en-US" sz="2000" dirty="0"/>
+              <a:t> </a:t>
+            </a:r>
+            <a:r>
+              <a:rPr lang="en-US" sz="2000" dirty="0" err="1"/>
+              <a:t>methodologie</a:t>
+            </a:r>
+            <a:r>
+              <a:rPr lang="en-US" sz="2000" dirty="0"/>
+              <a:t> ?</a:t>
+            </a:r>
+          </a:p>
+          <a:p>
+            <a:r>
               <a:rPr lang="en-US" sz="2000" dirty="0"/>
               <a:t>Custom of off-the-shelf management tools ?</a:t>
             </a:r>
@@ -10742,7 +11226,7 @@
             </a:r>
             <a:r>
               <a:rPr lang="en-US" sz="2000" dirty="0"/>
-              <a:t> software </a:t>
+              <a:t> management software </a:t>
             </a:r>
             <a:r>
               <a:rPr lang="en-US" sz="2000" dirty="0" err="1"/>
@@ -12697,7 +13181,7 @@
         </p:xfrm>
         <a:graphic>
           <a:graphicData uri="http://schemas.openxmlformats.org/drawingml/2006/diagram">
-            <dgm:relIds xmlns:dgm="http://schemas.openxmlformats.org/drawingml/2006/diagram" xmlns:r="http://schemas.openxmlformats.org/officeDocument/2006/relationships" r:dm="rId2" r:lo="rId3" r:qs="rId4" r:cs="rId5"/>
+            <dgm:relIds xmlns:dgm="http://schemas.openxmlformats.org/drawingml/2006/diagram" xmlns:r="http://schemas.openxmlformats.org/officeDocument/2006/relationships" r:dm="rId3" r:lo="rId4" r:qs="rId5" r:cs="rId6"/>
           </a:graphicData>
         </a:graphic>
       </p:graphicFrame>
@@ -14306,6 +14790,15 @@
 </file>
 
 <file path=customXml/item1.xml><?xml version="1.0" encoding="utf-8"?>
+<?mso-contentType ?>
+<FormTemplates xmlns="http://schemas.microsoft.com/sharepoint/v3/contenttype/forms">
+  <Display>DocumentLibraryForm</Display>
+  <Edit>DocumentLibraryForm</Edit>
+  <New>DocumentLibraryForm</New>
+</FormTemplates>
+</file>
+
+<file path=customXml/item2.xml><?xml version="1.0" encoding="utf-8"?>
 <ct:contentTypeSchema xmlns:ct="http://schemas.microsoft.com/office/2006/metadata/contentType" xmlns:ma="http://schemas.microsoft.com/office/2006/metadata/properties/metaAttributes" ct:_="" ma:_="" ma:contentTypeName="Document" ma:contentTypeID="0x01010079F111ED35F8CC479449609E8A0923A6" ma:contentTypeVersion="11" ma:contentTypeDescription="Create a new document." ma:contentTypeScope="" ma:versionID="9677210f24a1be23c92c90fd886aa0aa">
   <xsd:schema xmlns:xsd="http://www.w3.org/2001/XMLSchema" xmlns:xs="http://www.w3.org/2001/XMLSchema" xmlns:p="http://schemas.microsoft.com/office/2006/metadata/properties" xmlns:ns2="71af3243-3dd4-4a8d-8c0d-dd76da1f02a5" xmlns:ns3="16c05727-aa75-4e4a-9b5f-8a80a1165891" targetNamespace="http://schemas.microsoft.com/office/2006/metadata/properties" ma:root="true" ma:fieldsID="60e05723c5c1908df1a1a4ebf11d344e" ns2:_="" ns3:_="">
     <xsd:import namespace="71af3243-3dd4-4a8d-8c0d-dd76da1f02a5"/>
@@ -14516,15 +15009,6 @@
 </ct:contentTypeSchema>
 </file>
 
-<file path=customXml/item2.xml><?xml version="1.0" encoding="utf-8"?>
-<?mso-contentType ?>
-<FormTemplates xmlns="http://schemas.microsoft.com/sharepoint/v3/contenttype/forms">
-  <Display>DocumentLibraryForm</Display>
-  <Edit>DocumentLibraryForm</Edit>
-  <New>DocumentLibraryForm</New>
-</FormTemplates>
-</file>
-
 <file path=customXml/item3.xml><?xml version="1.0" encoding="utf-8"?>
 <p:properties xmlns:p="http://schemas.microsoft.com/office/2006/metadata/properties" xmlns:xsi="http://www.w3.org/2001/XMLSchema-instance" xmlns:pc="http://schemas.microsoft.com/office/infopath/2007/PartnerControls">
   <documentManagement>
@@ -14534,6 +15018,14 @@
 </file>
 
 <file path=customXml/itemProps1.xml><?xml version="1.0" encoding="utf-8"?>
+<ds:datastoreItem xmlns:ds="http://schemas.openxmlformats.org/officeDocument/2006/customXml" ds:itemID="{47323504-CBC8-4A2F-BF86-8DF0D94D4A3D}">
+  <ds:schemaRefs>
+    <ds:schemaRef ds:uri="http://schemas.microsoft.com/sharepoint/v3/contenttype/forms"/>
+  </ds:schemaRefs>
+</ds:datastoreItem>
+</file>
+
+<file path=customXml/itemProps2.xml><?xml version="1.0" encoding="utf-8"?>
 <ds:datastoreItem xmlns:ds="http://schemas.openxmlformats.org/officeDocument/2006/customXml" ds:itemID="{853D8350-BC36-420E-83B3-2CFFF4E97F6D}">
   <ds:schemaRefs>
     <ds:schemaRef ds:uri="http://schemas.microsoft.com/office/2006/metadata/contentType"/>
@@ -14552,14 +15044,6 @@
 </ds:datastoreItem>
 </file>
 
-<file path=customXml/itemProps2.xml><?xml version="1.0" encoding="utf-8"?>
-<ds:datastoreItem xmlns:ds="http://schemas.openxmlformats.org/officeDocument/2006/customXml" ds:itemID="{47323504-CBC8-4A2F-BF86-8DF0D94D4A3D}">
-  <ds:schemaRefs>
-    <ds:schemaRef ds:uri="http://schemas.microsoft.com/sharepoint/v3/contenttype/forms"/>
-  </ds:schemaRefs>
-</ds:datastoreItem>
-</file>
-
 <file path=customXml/itemProps3.xml><?xml version="1.0" encoding="utf-8"?>
 <ds:datastoreItem xmlns:ds="http://schemas.openxmlformats.org/officeDocument/2006/customXml" ds:itemID="{96100F67-BC3D-46B4-8D39-802DC9D7F2EB}">
   <ds:schemaRefs>
